--- a/sts_hackathon.pptx
+++ b/sts_hackathon.pptx
@@ -107,6 +107,11 @@
       </a:defRPr>
     </a:lvl9pPr>
   </p:defaultTextStyle>
+  <p:extLst>
+    <p:ext uri="{EFAFB233-063F-42B5-8137-9DF3F51BA10A}">
+      <p15:sldGuideLst xmlns:p15="http://schemas.microsoft.com/office/powerpoint/2012/main"/>
+    </p:ext>
+  </p:extLst>
 </p:presentation>
 </file>
 
@@ -155,7 +160,6 @@
               <a:rPr lang="de-DE"/>
               <a:t>Titelmasterformat durch Klicken bearbeiten</a:t>
             </a:r>
-            <a:endParaRPr lang="de-DE"/>
           </a:p>
         </p:txBody>
       </p:sp>
@@ -220,7 +224,6 @@
               <a:rPr lang="de-DE"/>
               <a:t>Formatvorlage des Untertitelmasters durch Klicken bearbeiten</a:t>
             </a:r>
-            <a:endParaRPr lang="de-DE"/>
           </a:p>
         </p:txBody>
       </p:sp>
@@ -338,7 +341,6 @@
               <a:rPr lang="de-DE"/>
               <a:t>Titelmasterformat durch Klicken bearbeiten</a:t>
             </a:r>
-            <a:endParaRPr lang="de-DE"/>
           </a:p>
         </p:txBody>
       </p:sp>
@@ -390,7 +392,6 @@
               <a:rPr lang="de-DE"/>
               <a:t>Fünfte Ebene</a:t>
             </a:r>
-            <a:endParaRPr lang="de-DE"/>
           </a:p>
         </p:txBody>
       </p:sp>
@@ -513,7 +514,6 @@
               <a:rPr lang="de-DE"/>
               <a:t>Titelmasterformat durch Klicken bearbeiten</a:t>
             </a:r>
-            <a:endParaRPr lang="de-DE"/>
           </a:p>
         </p:txBody>
       </p:sp>
@@ -570,7 +570,6 @@
               <a:rPr lang="de-DE"/>
               <a:t>Fünfte Ebene</a:t>
             </a:r>
-            <a:endParaRPr lang="de-DE"/>
           </a:p>
         </p:txBody>
       </p:sp>
@@ -688,7 +687,6 @@
               <a:rPr lang="de-DE"/>
               <a:t>Titelmasterformat durch Klicken bearbeiten</a:t>
             </a:r>
-            <a:endParaRPr lang="de-DE"/>
           </a:p>
         </p:txBody>
       </p:sp>
@@ -740,7 +738,6 @@
               <a:rPr lang="de-DE"/>
               <a:t>Fünfte Ebene</a:t>
             </a:r>
-            <a:endParaRPr lang="de-DE"/>
           </a:p>
         </p:txBody>
       </p:sp>
@@ -867,7 +864,6 @@
               <a:rPr lang="de-DE"/>
               <a:t>Titelmasterformat durch Klicken bearbeiten</a:t>
             </a:r>
-            <a:endParaRPr lang="de-DE"/>
           </a:p>
         </p:txBody>
       </p:sp>
@@ -1104,7 +1100,6 @@
               <a:rPr lang="de-DE"/>
               <a:t>Titelmasterformat durch Klicken bearbeiten</a:t>
             </a:r>
-            <a:endParaRPr lang="de-DE"/>
           </a:p>
         </p:txBody>
       </p:sp>
@@ -1161,7 +1156,6 @@
               <a:rPr lang="de-DE"/>
               <a:t>Fünfte Ebene</a:t>
             </a:r>
-            <a:endParaRPr lang="de-DE"/>
           </a:p>
         </p:txBody>
       </p:sp>
@@ -1218,7 +1212,6 @@
               <a:rPr lang="de-DE"/>
               <a:t>Fünfte Ebene</a:t>
             </a:r>
-            <a:endParaRPr lang="de-DE"/>
           </a:p>
         </p:txBody>
       </p:sp>
@@ -1341,7 +1334,6 @@
               <a:rPr lang="de-DE"/>
               <a:t>Titelmasterformat durch Klicken bearbeiten</a:t>
             </a:r>
-            <a:endParaRPr lang="de-DE"/>
           </a:p>
         </p:txBody>
       </p:sp>
@@ -1463,7 +1455,6 @@
               <a:rPr lang="de-DE"/>
               <a:t>Fünfte Ebene</a:t>
             </a:r>
-            <a:endParaRPr lang="de-DE"/>
           </a:p>
         </p:txBody>
       </p:sp>
@@ -1585,7 +1576,6 @@
               <a:rPr lang="de-DE"/>
               <a:t>Fünfte Ebene</a:t>
             </a:r>
-            <a:endParaRPr lang="de-DE"/>
           </a:p>
         </p:txBody>
       </p:sp>
@@ -1703,7 +1693,6 @@
               <a:rPr lang="de-DE"/>
               <a:t>Titelmasterformat durch Klicken bearbeiten</a:t>
             </a:r>
-            <a:endParaRPr lang="de-DE"/>
           </a:p>
         </p:txBody>
       </p:sp>
@@ -1925,7 +1914,6 @@
               <a:rPr lang="de-DE"/>
               <a:t>Titelmasterformat durch Klicken bearbeiten</a:t>
             </a:r>
-            <a:endParaRPr lang="de-DE"/>
           </a:p>
         </p:txBody>
       </p:sp>
@@ -2010,7 +1998,6 @@
               <a:rPr lang="de-DE"/>
               <a:t>Fünfte Ebene</a:t>
             </a:r>
-            <a:endParaRPr lang="de-DE"/>
           </a:p>
         </p:txBody>
       </p:sp>
@@ -2202,7 +2189,6 @@
               <a:rPr lang="de-DE"/>
               <a:t>Titelmasterformat durch Klicken bearbeiten</a:t>
             </a:r>
-            <a:endParaRPr lang="de-DE"/>
           </a:p>
         </p:txBody>
       </p:sp>
@@ -2461,7 +2447,6 @@
               <a:rPr lang="de-DE"/>
               <a:t>Titelmasterformat durch Klicken bearbeiten</a:t>
             </a:r>
-            <a:endParaRPr lang="de-DE"/>
           </a:p>
         </p:txBody>
       </p:sp>
@@ -2523,7 +2508,6 @@
               <a:rPr lang="de-DE"/>
               <a:t>Fünfte Ebene</a:t>
             </a:r>
-            <a:endParaRPr lang="de-DE"/>
           </a:p>
         </p:txBody>
       </p:sp>
@@ -3225,7 +3209,7 @@
         <p:spPr>
           <a:xfrm>
             <a:off x="125200" y="132523"/>
-            <a:ext cx="4059060" cy="1384995"/>
+            <a:ext cx="11189795" cy="6555641"/>
           </a:xfrm>
           <a:prstGeom prst="rect">
             <a:avLst/>
@@ -3257,7 +3241,18 @@
               <a:rPr lang="de-DE" sz="2800" b="1" dirty="0" err="1"/>
               <a:t>matches</a:t>
             </a:r>
-            <a:endParaRPr lang="de-DE" sz="2800" b="1" dirty="0"/>
+            <a:r>
+              <a:rPr lang="de-DE" sz="2800" b="1" dirty="0"/>
+              <a:t> (</a:t>
+            </a:r>
+            <a:r>
+              <a:rPr lang="de-DE" sz="2800" b="1" dirty="0" err="1"/>
+              <a:t>performers</a:t>
+            </a:r>
+            <a:r>
+              <a:rPr lang="de-DE" sz="2800" b="1" dirty="0"/>
+              <a:t>)</a:t>
+            </a:r>
           </a:p>
           <a:p>
             <a:pPr marL="457200" indent="-457200">
@@ -3283,6 +3278,168 @@
             <a:r>
               <a:rPr lang="de-DE" sz="2800" b="1" dirty="0"/>
               <a:t> GND</a:t>
+            </a:r>
+          </a:p>
+          <a:p>
+            <a:pPr marL="457200" indent="-457200">
+              <a:buFontTx/>
+              <a:buChar char="-"/>
+            </a:pPr>
+            <a:endParaRPr lang="de-DE" sz="2800" b="1" dirty="0"/>
+          </a:p>
+          <a:p>
+            <a:pPr marL="457200" indent="-457200">
+              <a:buFontTx/>
+              <a:buChar char="-"/>
+            </a:pPr>
+            <a:endParaRPr lang="de-DE" sz="2800" b="1" dirty="0"/>
+          </a:p>
+          <a:p>
+            <a:pPr marL="457200" indent="-457200">
+              <a:buFontTx/>
+              <a:buChar char="-"/>
+            </a:pPr>
+            <a:endParaRPr lang="de-DE" sz="2800" b="1" dirty="0"/>
+          </a:p>
+          <a:p>
+            <a:pPr marL="457200" indent="-457200">
+              <a:buFontTx/>
+              <a:buChar char="-"/>
+            </a:pPr>
+            <a:endParaRPr lang="de-DE" sz="2800" b="1" dirty="0"/>
+          </a:p>
+          <a:p>
+            <a:pPr marL="457200" indent="-457200">
+              <a:buFontTx/>
+              <a:buChar char="-"/>
+            </a:pPr>
+            <a:endParaRPr lang="de-DE" sz="2800" b="1" dirty="0"/>
+          </a:p>
+          <a:p>
+            <a:pPr marL="457200" indent="-457200">
+              <a:buFontTx/>
+              <a:buChar char="-"/>
+            </a:pPr>
+            <a:endParaRPr lang="de-DE" sz="2800" b="1" dirty="0"/>
+          </a:p>
+          <a:p>
+            <a:pPr marL="457200" indent="-457200">
+              <a:buFontTx/>
+              <a:buChar char="-"/>
+            </a:pPr>
+            <a:endParaRPr lang="de-DE" sz="2800" b="1" dirty="0"/>
+          </a:p>
+          <a:p>
+            <a:pPr marL="457200" indent="-457200">
+              <a:buFontTx/>
+              <a:buChar char="-"/>
+            </a:pPr>
+            <a:endParaRPr lang="de-DE" sz="2800" b="1" dirty="0"/>
+          </a:p>
+          <a:p>
+            <a:pPr marL="457200" indent="-457200">
+              <a:buFontTx/>
+              <a:buChar char="-"/>
+            </a:pPr>
+            <a:endParaRPr lang="de-DE" sz="2800" b="1" dirty="0"/>
+          </a:p>
+          <a:p>
+            <a:pPr marL="457200" indent="-457200">
+              <a:buFontTx/>
+              <a:buChar char="-"/>
+            </a:pPr>
+            <a:endParaRPr lang="de-DE" sz="2800" b="1" dirty="0"/>
+          </a:p>
+          <a:p>
+            <a:pPr marL="457200" indent="-457200">
+              <a:buFontTx/>
+              <a:buChar char="-"/>
+            </a:pPr>
+            <a:r>
+              <a:rPr lang="de-DE" sz="2800" b="1" dirty="0"/>
+              <a:t>112 </a:t>
+            </a:r>
+            <a:r>
+              <a:rPr lang="de-DE" sz="2800" b="1" dirty="0" err="1"/>
+              <a:t>matches</a:t>
+            </a:r>
+            <a:r>
+              <a:rPr lang="de-DE" sz="2800" b="1" dirty="0"/>
+              <a:t> (</a:t>
+            </a:r>
+            <a:r>
+              <a:rPr lang="de-DE" sz="2800" b="1" dirty="0" err="1"/>
+              <a:t>costume</a:t>
+            </a:r>
+            <a:r>
+              <a:rPr lang="de-DE" sz="2800" b="1" dirty="0"/>
+              <a:t> </a:t>
+            </a:r>
+            <a:r>
+              <a:rPr lang="de-DE" sz="2800" b="1" dirty="0" err="1"/>
+              <a:t>designers</a:t>
+            </a:r>
+            <a:r>
+              <a:rPr lang="de-DE" sz="2800" b="1" dirty="0"/>
+              <a:t>)		- 194 </a:t>
+            </a:r>
+            <a:r>
+              <a:rPr lang="de-DE" sz="2800" b="1" dirty="0" err="1"/>
+              <a:t>matches</a:t>
+            </a:r>
+            <a:r>
+              <a:rPr lang="de-DE" sz="2800" b="1" dirty="0"/>
+              <a:t> (</a:t>
+            </a:r>
+            <a:r>
+              <a:rPr lang="de-DE" sz="2800" b="1" dirty="0" err="1"/>
+              <a:t>scenographers</a:t>
+            </a:r>
+            <a:r>
+              <a:rPr lang="de-DE" sz="2800" b="1" dirty="0"/>
+              <a:t>)</a:t>
+            </a:r>
+          </a:p>
+          <a:p>
+            <a:pPr marL="457200" indent="-457200">
+              <a:buFontTx/>
+              <a:buChar char="-"/>
+            </a:pPr>
+            <a:r>
+              <a:rPr lang="de-DE" sz="2800" b="1" dirty="0"/>
+              <a:t>164 </a:t>
+            </a:r>
+            <a:r>
+              <a:rPr lang="de-DE" sz="2800" b="1" dirty="0" err="1"/>
+              <a:t>matches</a:t>
+            </a:r>
+            <a:r>
+              <a:rPr lang="de-DE" sz="2800" b="1" dirty="0"/>
+              <a:t> (</a:t>
+            </a:r>
+            <a:r>
+              <a:rPr lang="de-DE" sz="2800" b="1" dirty="0" err="1"/>
+              <a:t>choreographers</a:t>
+            </a:r>
+            <a:r>
+              <a:rPr lang="de-DE" sz="2800" b="1" dirty="0"/>
+              <a:t>)		- 793 </a:t>
+            </a:r>
+            <a:r>
+              <a:rPr lang="de-DE" sz="2800" b="1" dirty="0" err="1"/>
+              <a:t>matches</a:t>
+            </a:r>
+            <a:r>
+              <a:rPr lang="de-DE" sz="2800" b="1" dirty="0"/>
+              <a:t> (</a:t>
+            </a:r>
+            <a:r>
+              <a:rPr lang="de-DE" sz="2800" b="1" dirty="0" err="1"/>
+              <a:t>directors</a:t>
+            </a:r>
+            <a:r>
+              <a:rPr lang="de-DE" sz="2800" b="1" dirty="0"/>
+              <a:t>)</a:t>
             </a:r>
           </a:p>
         </p:txBody>
@@ -3308,7 +3465,7 @@
         </p:blipFill>
         <p:spPr>
           <a:xfrm>
-            <a:off x="352100" y="1868556"/>
+            <a:off x="352100" y="1488728"/>
             <a:ext cx="11262884" cy="3657600"/>
           </a:xfrm>
           <a:prstGeom prst="rect">
@@ -3316,6 +3473,36 @@
           </a:prstGeom>
         </p:spPr>
       </p:pic>
+      <p:cxnSp>
+        <p:nvCxnSpPr>
+          <p:cNvPr id="3" name="Gerader Verbinder 2"/>
+          <p:cNvCxnSpPr/>
+          <p:nvPr/>
+        </p:nvCxnSpPr>
+        <p:spPr>
+          <a:xfrm>
+            <a:off x="352100" y="5430129"/>
+            <a:ext cx="11262884" cy="0"/>
+          </a:xfrm>
+          <a:prstGeom prst="line">
+            <a:avLst/>
+          </a:prstGeom>
+        </p:spPr>
+        <p:style>
+          <a:lnRef idx="1">
+            <a:schemeClr val="accent1"/>
+          </a:lnRef>
+          <a:fillRef idx="0">
+            <a:schemeClr val="accent1"/>
+          </a:fillRef>
+          <a:effectRef idx="0">
+            <a:schemeClr val="accent1"/>
+          </a:effectRef>
+          <a:fontRef idx="minor">
+            <a:schemeClr val="tx1"/>
+          </a:fontRef>
+        </p:style>
+      </p:cxnSp>
     </p:spTree>
     <p:extLst>
       <p:ext uri="{BB962C8B-B14F-4D97-AF65-F5344CB8AC3E}">
